--- a/pptx_tools/data/hello.pptx
+++ b/pptx_tools/data/hello.pptx
@@ -5,10 +5,12 @@
     <p:sldMasterId id="2147483648" r:id="rId1"/>
   </p:sldMasterIdLst>
   <p:notesMasterIdLst>
-    <p:notesMasterId r:id="rId3"/>
+    <p:notesMasterId r:id="rId5"/>
   </p:notesMasterIdLst>
   <p:sldIdLst>
     <p:sldId id="256" r:id="rId2"/>
+    <p:sldId id="257" r:id="rId3"/>
+    <p:sldId id="258" r:id="rId4"/>
   </p:sldIdLst>
   <p:sldSz cx="12192000" cy="6858000"/>
   <p:notesSz cx="6858000" cy="9144000"/>
@@ -107,6 +109,11 @@
       </a:defRPr>
     </a:lvl9pPr>
   </p:defaultTextStyle>
+  <p:extLst>
+    <p:ext uri="{EFAFB233-063F-42B5-8137-9DF3F51BA10A}">
+      <p15:sldGuideLst xmlns:p15="http://schemas.microsoft.com/office/powerpoint/2012/main"/>
+    </p:ext>
+  </p:extLst>
 </p:presentation>
 </file>
 
@@ -192,7 +199,7 @@
           <a:p>
             <a:fld id="{8929011B-6342-8E49-832F-14940ADDAA46}" type="datetimeFigureOut">
               <a:rPr lang="en-JP" smtClean="0"/>
-              <a:t>2022/05/10</a:t>
+              <a:t>2022/05/27</a:t>
             </a:fld>
             <a:endParaRPr lang="en-JP"/>
           </a:p>
@@ -552,6 +559,93 @@
 </p:notes>
 </file>
 
+<file path=ppt/notesSlides/notesSlide2.xml><?xml version="1.0" encoding="utf-8"?>
+<p:notes xmlns:a="http://schemas.openxmlformats.org/drawingml/2006/main" xmlns:r="http://schemas.openxmlformats.org/officeDocument/2006/relationships" xmlns:p="http://schemas.openxmlformats.org/presentationml/2006/main">
+  <p:cSld>
+    <p:spTree>
+      <p:nvGrpSpPr>
+        <p:cNvPr id="1" name=""/>
+        <p:cNvGrpSpPr/>
+        <p:nvPr/>
+      </p:nvGrpSpPr>
+      <p:grpSpPr>
+        <a:xfrm>
+          <a:off x="0" y="0"/>
+          <a:ext cx="0" cy="0"/>
+          <a:chOff x="0" y="0"/>
+          <a:chExt cx="0" cy="0"/>
+        </a:xfrm>
+      </p:grpSpPr>
+      <p:sp>
+        <p:nvSpPr>
+          <p:cNvPr id="2" name="Slide Image Placeholder 1"/>
+          <p:cNvSpPr>
+            <a:spLocks noGrp="1" noRot="1" noChangeAspect="1"/>
+          </p:cNvSpPr>
+          <p:nvPr>
+            <p:ph type="sldImg"/>
+          </p:nvPr>
+        </p:nvSpPr>
+        <p:spPr/>
+      </p:sp>
+      <p:sp>
+        <p:nvSpPr>
+          <p:cNvPr id="3" name="Notes Placeholder 2"/>
+          <p:cNvSpPr>
+            <a:spLocks noGrp="1"/>
+          </p:cNvSpPr>
+          <p:nvPr>
+            <p:ph type="body" idx="1"/>
+          </p:nvPr>
+        </p:nvSpPr>
+        <p:spPr/>
+        <p:txBody>
+          <a:bodyPr/>
+          <a:lstStyle/>
+          <a:p>
+            <a:r>
+              <a:rPr lang="en-JP"/>
+              <a:t>This is a conclusion slide.</a:t>
+            </a:r>
+          </a:p>
+        </p:txBody>
+      </p:sp>
+      <p:sp>
+        <p:nvSpPr>
+          <p:cNvPr id="4" name="Slide Number Placeholder 3"/>
+          <p:cNvSpPr>
+            <a:spLocks noGrp="1"/>
+          </p:cNvSpPr>
+          <p:nvPr>
+            <p:ph type="sldNum" sz="quarter" idx="5"/>
+          </p:nvPr>
+        </p:nvSpPr>
+        <p:spPr/>
+        <p:txBody>
+          <a:bodyPr/>
+          <a:lstStyle/>
+          <a:p>
+            <a:fld id="{89F9A309-9E65-B64E-B781-09138D912186}" type="slidenum">
+              <a:rPr lang="en-JP" smtClean="0"/>
+              <a:t>3</a:t>
+            </a:fld>
+            <a:endParaRPr lang="en-JP"/>
+          </a:p>
+        </p:txBody>
+      </p:sp>
+    </p:spTree>
+    <p:extLst>
+      <p:ext uri="{BB962C8B-B14F-4D97-AF65-F5344CB8AC3E}">
+        <p14:creationId xmlns:p14="http://schemas.microsoft.com/office/powerpoint/2010/main" val="934118182"/>
+      </p:ext>
+    </p:extLst>
+  </p:cSld>
+  <p:clrMapOvr>
+    <a:masterClrMapping/>
+  </p:clrMapOvr>
+</p:notes>
+</file>
+
 <file path=ppt/slideLayouts/slideLayout1.xml><?xml version="1.0" encoding="utf-8"?>
 <p:sldLayout xmlns:a="http://schemas.openxmlformats.org/drawingml/2006/main" xmlns:r="http://schemas.openxmlformats.org/officeDocument/2006/relationships" xmlns:p="http://schemas.openxmlformats.org/presentationml/2006/main" type="title" preserve="1">
   <p:cSld name="Title Slide">
@@ -701,7 +795,7 @@
           <a:p>
             <a:fld id="{583F6BCE-4369-F347-9638-AC52D47E981C}" type="datetimeFigureOut">
               <a:rPr lang="en-JP" smtClean="0"/>
-              <a:t>2022/05/10</a:t>
+              <a:t>2022/05/27</a:t>
             </a:fld>
             <a:endParaRPr lang="en-JP"/>
           </a:p>
@@ -901,7 +995,7 @@
           <a:p>
             <a:fld id="{583F6BCE-4369-F347-9638-AC52D47E981C}" type="datetimeFigureOut">
               <a:rPr lang="en-JP" smtClean="0"/>
-              <a:t>2022/05/10</a:t>
+              <a:t>2022/05/27</a:t>
             </a:fld>
             <a:endParaRPr lang="en-JP"/>
           </a:p>
@@ -1111,7 +1205,7 @@
           <a:p>
             <a:fld id="{583F6BCE-4369-F347-9638-AC52D47E981C}" type="datetimeFigureOut">
               <a:rPr lang="en-JP" smtClean="0"/>
-              <a:t>2022/05/10</a:t>
+              <a:t>2022/05/27</a:t>
             </a:fld>
             <a:endParaRPr lang="en-JP"/>
           </a:p>
@@ -1311,7 +1405,7 @@
           <a:p>
             <a:fld id="{583F6BCE-4369-F347-9638-AC52D47E981C}" type="datetimeFigureOut">
               <a:rPr lang="en-JP" smtClean="0"/>
-              <a:t>2022/05/10</a:t>
+              <a:t>2022/05/27</a:t>
             </a:fld>
             <a:endParaRPr lang="en-JP"/>
           </a:p>
@@ -1587,7 +1681,7 @@
           <a:p>
             <a:fld id="{583F6BCE-4369-F347-9638-AC52D47E981C}" type="datetimeFigureOut">
               <a:rPr lang="en-JP" smtClean="0"/>
-              <a:t>2022/05/10</a:t>
+              <a:t>2022/05/27</a:t>
             </a:fld>
             <a:endParaRPr lang="en-JP"/>
           </a:p>
@@ -1855,7 +1949,7 @@
           <a:p>
             <a:fld id="{583F6BCE-4369-F347-9638-AC52D47E981C}" type="datetimeFigureOut">
               <a:rPr lang="en-JP" smtClean="0"/>
-              <a:t>2022/05/10</a:t>
+              <a:t>2022/05/27</a:t>
             </a:fld>
             <a:endParaRPr lang="en-JP"/>
           </a:p>
@@ -2270,7 +2364,7 @@
           <a:p>
             <a:fld id="{583F6BCE-4369-F347-9638-AC52D47E981C}" type="datetimeFigureOut">
               <a:rPr lang="en-JP" smtClean="0"/>
-              <a:t>2022/05/10</a:t>
+              <a:t>2022/05/27</a:t>
             </a:fld>
             <a:endParaRPr lang="en-JP"/>
           </a:p>
@@ -2412,7 +2506,7 @@
           <a:p>
             <a:fld id="{583F6BCE-4369-F347-9638-AC52D47E981C}" type="datetimeFigureOut">
               <a:rPr lang="en-JP" smtClean="0"/>
-              <a:t>2022/05/10</a:t>
+              <a:t>2022/05/27</a:t>
             </a:fld>
             <a:endParaRPr lang="en-JP"/>
           </a:p>
@@ -2525,7 +2619,7 @@
           <a:p>
             <a:fld id="{583F6BCE-4369-F347-9638-AC52D47E981C}" type="datetimeFigureOut">
               <a:rPr lang="en-JP" smtClean="0"/>
-              <a:t>2022/05/10</a:t>
+              <a:t>2022/05/27</a:t>
             </a:fld>
             <a:endParaRPr lang="en-JP"/>
           </a:p>
@@ -2838,7 +2932,7 @@
           <a:p>
             <a:fld id="{583F6BCE-4369-F347-9638-AC52D47E981C}" type="datetimeFigureOut">
               <a:rPr lang="en-JP" smtClean="0"/>
-              <a:t>2022/05/10</a:t>
+              <a:t>2022/05/27</a:t>
             </a:fld>
             <a:endParaRPr lang="en-JP"/>
           </a:p>
@@ -3127,7 +3221,7 @@
           <a:p>
             <a:fld id="{583F6BCE-4369-F347-9638-AC52D47E981C}" type="datetimeFigureOut">
               <a:rPr lang="en-JP" smtClean="0"/>
-              <a:t>2022/05/10</a:t>
+              <a:t>2022/05/27</a:t>
             </a:fld>
             <a:endParaRPr lang="en-JP"/>
           </a:p>
@@ -3370,7 +3464,7 @@
           <a:p>
             <a:fld id="{583F6BCE-4369-F347-9638-AC52D47E981C}" type="datetimeFigureOut">
               <a:rPr lang="en-JP" smtClean="0"/>
-              <a:t>2022/05/10</a:t>
+              <a:t>2022/05/27</a:t>
             </a:fld>
             <a:endParaRPr lang="en-JP"/>
           </a:p>
@@ -3848,6 +3942,176 @@
     <p:extLst>
       <p:ext uri="{BB962C8B-B14F-4D97-AF65-F5344CB8AC3E}">
         <p14:creationId xmlns:p14="http://schemas.microsoft.com/office/powerpoint/2010/main" val="1837092053"/>
+      </p:ext>
+    </p:extLst>
+  </p:cSld>
+  <p:clrMapOvr>
+    <a:masterClrMapping/>
+  </p:clrMapOvr>
+</p:sld>
+</file>
+
+<file path=ppt/slides/slide2.xml><?xml version="1.0" encoding="utf-8"?>
+<p:sld xmlns:a="http://schemas.openxmlformats.org/drawingml/2006/main" xmlns:r="http://schemas.openxmlformats.org/officeDocument/2006/relationships" xmlns:p="http://schemas.openxmlformats.org/presentationml/2006/main">
+  <p:cSld>
+    <p:spTree>
+      <p:nvGrpSpPr>
+        <p:cNvPr id="1" name=""/>
+        <p:cNvGrpSpPr/>
+        <p:nvPr/>
+      </p:nvGrpSpPr>
+      <p:grpSpPr>
+        <a:xfrm>
+          <a:off x="0" y="0"/>
+          <a:ext cx="0" cy="0"/>
+          <a:chOff x="0" y="0"/>
+          <a:chExt cx="0" cy="0"/>
+        </a:xfrm>
+      </p:grpSpPr>
+      <p:sp>
+        <p:nvSpPr>
+          <p:cNvPr id="2" name="Title 1">
+            <a:extLst>
+              <a:ext uri="{FF2B5EF4-FFF2-40B4-BE49-F238E27FC236}">
+                <a16:creationId xmlns:a16="http://schemas.microsoft.com/office/drawing/2014/main" id="{0D08AEE1-1F0E-BC0A-9FA5-D5E8C9FDCCAE}"/>
+              </a:ext>
+            </a:extLst>
+          </p:cNvPr>
+          <p:cNvSpPr>
+            <a:spLocks noGrp="1"/>
+          </p:cNvSpPr>
+          <p:nvPr>
+            <p:ph type="title"/>
+          </p:nvPr>
+        </p:nvSpPr>
+        <p:spPr/>
+        <p:txBody>
+          <a:bodyPr/>
+          <a:lstStyle/>
+          <a:p>
+            <a:r>
+              <a:rPr lang="en-US" dirty="0"/>
+              <a:t>E</a:t>
+            </a:r>
+            <a:r>
+              <a:rPr lang="en-JP" dirty="0"/>
+              <a:t>mpty comment slide</a:t>
+            </a:r>
+          </a:p>
+        </p:txBody>
+      </p:sp>
+      <p:sp>
+        <p:nvSpPr>
+          <p:cNvPr id="3" name="Content Placeholder 2">
+            <a:extLst>
+              <a:ext uri="{FF2B5EF4-FFF2-40B4-BE49-F238E27FC236}">
+                <a16:creationId xmlns:a16="http://schemas.microsoft.com/office/drawing/2014/main" id="{39C5EE68-3AAD-1201-4863-F248F76A1533}"/>
+              </a:ext>
+            </a:extLst>
+          </p:cNvPr>
+          <p:cNvSpPr>
+            <a:spLocks noGrp="1"/>
+          </p:cNvSpPr>
+          <p:nvPr>
+            <p:ph idx="1"/>
+          </p:nvPr>
+        </p:nvSpPr>
+        <p:spPr/>
+        <p:txBody>
+          <a:bodyPr/>
+          <a:lstStyle/>
+          <a:p>
+            <a:endParaRPr lang="en-JP" dirty="0"/>
+          </a:p>
+        </p:txBody>
+      </p:sp>
+    </p:spTree>
+    <p:extLst>
+      <p:ext uri="{BB962C8B-B14F-4D97-AF65-F5344CB8AC3E}">
+        <p14:creationId xmlns:p14="http://schemas.microsoft.com/office/powerpoint/2010/main" val="3610064322"/>
+      </p:ext>
+    </p:extLst>
+  </p:cSld>
+  <p:clrMapOvr>
+    <a:masterClrMapping/>
+  </p:clrMapOvr>
+</p:sld>
+</file>
+
+<file path=ppt/slides/slide3.xml><?xml version="1.0" encoding="utf-8"?>
+<p:sld xmlns:a="http://schemas.openxmlformats.org/drawingml/2006/main" xmlns:r="http://schemas.openxmlformats.org/officeDocument/2006/relationships" xmlns:p="http://schemas.openxmlformats.org/presentationml/2006/main">
+  <p:cSld>
+    <p:spTree>
+      <p:nvGrpSpPr>
+        <p:cNvPr id="1" name=""/>
+        <p:cNvGrpSpPr/>
+        <p:nvPr/>
+      </p:nvGrpSpPr>
+      <p:grpSpPr>
+        <a:xfrm>
+          <a:off x="0" y="0"/>
+          <a:ext cx="0" cy="0"/>
+          <a:chOff x="0" y="0"/>
+          <a:chExt cx="0" cy="0"/>
+        </a:xfrm>
+      </p:grpSpPr>
+      <p:sp>
+        <p:nvSpPr>
+          <p:cNvPr id="2" name="Title 1">
+            <a:extLst>
+              <a:ext uri="{FF2B5EF4-FFF2-40B4-BE49-F238E27FC236}">
+                <a16:creationId xmlns:a16="http://schemas.microsoft.com/office/drawing/2014/main" id="{AACA9D98-7B5C-09ED-6FE2-872984A2494A}"/>
+              </a:ext>
+            </a:extLst>
+          </p:cNvPr>
+          <p:cNvSpPr>
+            <a:spLocks noGrp="1"/>
+          </p:cNvSpPr>
+          <p:nvPr>
+            <p:ph type="title"/>
+          </p:nvPr>
+        </p:nvSpPr>
+        <p:spPr/>
+        <p:txBody>
+          <a:bodyPr/>
+          <a:lstStyle/>
+          <a:p>
+            <a:r>
+              <a:rPr lang="en-JP" dirty="0"/>
+              <a:t>Conclusion</a:t>
+            </a:r>
+          </a:p>
+        </p:txBody>
+      </p:sp>
+      <p:sp>
+        <p:nvSpPr>
+          <p:cNvPr id="3" name="Content Placeholder 2">
+            <a:extLst>
+              <a:ext uri="{FF2B5EF4-FFF2-40B4-BE49-F238E27FC236}">
+                <a16:creationId xmlns:a16="http://schemas.microsoft.com/office/drawing/2014/main" id="{80A2A743-6CC6-3C97-A611-6049FA461256}"/>
+              </a:ext>
+            </a:extLst>
+          </p:cNvPr>
+          <p:cNvSpPr>
+            <a:spLocks noGrp="1"/>
+          </p:cNvSpPr>
+          <p:nvPr>
+            <p:ph idx="1"/>
+          </p:nvPr>
+        </p:nvSpPr>
+        <p:spPr/>
+        <p:txBody>
+          <a:bodyPr/>
+          <a:lstStyle/>
+          <a:p>
+            <a:endParaRPr lang="en-JP"/>
+          </a:p>
+        </p:txBody>
+      </p:sp>
+    </p:spTree>
+    <p:extLst>
+      <p:ext uri="{BB962C8B-B14F-4D97-AF65-F5344CB8AC3E}">
+        <p14:creationId xmlns:p14="http://schemas.microsoft.com/office/powerpoint/2010/main" val="3415395873"/>
       </p:ext>
     </p:extLst>
   </p:cSld>
